--- a/进度汇报PPT汇总/week11.pptx
+++ b/进度汇报PPT汇总/week11.pptx
@@ -7,10 +7,15 @@
   <p:notesMasterIdLst>
     <p:notesMasterId r:id="rId5"/>
   </p:notesMasterIdLst>
+  <p:handoutMasterIdLst>
+    <p:handoutMasterId r:id="rId9"/>
+  </p:handoutMasterIdLst>
   <p:sldIdLst>
-    <p:sldId id="312" r:id="rId2"/>
-    <p:sldId id="365" r:id="rId3"/>
-    <p:sldId id="361" r:id="rId4"/>
+    <p:sldId id="312" r:id="rId3"/>
+    <p:sldId id="367" r:id="rId4"/>
+    <p:sldId id="368" r:id="rId6"/>
+    <p:sldId id="365" r:id="rId7"/>
+    <p:sldId id="361" r:id="rId8"/>
   </p:sldIdLst>
   <p:sldSz cx="12192000" cy="6858000"/>
   <p:notesSz cx="6858000" cy="9144000"/>
@@ -109,70 +114,165 @@
       </a:defRPr>
     </a:lvl9pPr>
   </p:defaultTextStyle>
-  <p:extLst>
-    <p:ext uri="{EFAFB233-063F-42B5-8137-9DF3F51BA10A}">
-      <p15:sldGuideLst xmlns:p15="http://schemas.microsoft.com/office/powerpoint/2012/main"/>
-    </p:ext>
-  </p:extLst>
 </p:presentation>
 </file>
 
-<file path=ppt/changesInfos/changesInfo1.xml><?xml version="1.0" encoding="utf-8"?>
-<pc:chgInfo xmlns:a="http://schemas.openxmlformats.org/drawingml/2006/main" xmlns:r="http://schemas.openxmlformats.org/officeDocument/2006/relationships" xmlns:ac="http://schemas.microsoft.com/office/drawing/2013/main/command" xmlns:pc="http://schemas.microsoft.com/office/powerpoint/2013/main/command">
-  <pc:docChgLst>
-    <pc:chgData name="snade jack" userId="ba5019ad82b64393" providerId="LiveId" clId="{CF6B4C2C-E12C-4FCE-94DC-D1266AF3785C}"/>
-    <pc:docChg chg="delSld modSld">
-      <pc:chgData name="snade jack" userId="ba5019ad82b64393" providerId="LiveId" clId="{CF6B4C2C-E12C-4FCE-94DC-D1266AF3785C}" dt="2022-05-06T16:08:52.367" v="613" actId="20577"/>
-      <pc:docMkLst>
-        <pc:docMk/>
-      </pc:docMkLst>
-      <pc:sldChg chg="modSp mod">
-        <pc:chgData name="snade jack" userId="ba5019ad82b64393" providerId="LiveId" clId="{CF6B4C2C-E12C-4FCE-94DC-D1266AF3785C}" dt="2022-05-06T16:03:39.810" v="3" actId="20577"/>
-        <pc:sldMkLst>
-          <pc:docMk/>
-          <pc:sldMk cId="0" sldId="312"/>
-        </pc:sldMkLst>
-        <pc:spChg chg="mod">
-          <ac:chgData name="snade jack" userId="ba5019ad82b64393" providerId="LiveId" clId="{CF6B4C2C-E12C-4FCE-94DC-D1266AF3785C}" dt="2022-05-06T16:03:39.810" v="3" actId="20577"/>
-          <ac:spMkLst>
-            <pc:docMk/>
-            <pc:sldMk cId="0" sldId="312"/>
-            <ac:spMk id="5" creationId="{00000000-0000-0000-0000-000000000000}"/>
-          </ac:spMkLst>
-        </pc:spChg>
-      </pc:sldChg>
-      <pc:sldChg chg="del">
-        <pc:chgData name="snade jack" userId="ba5019ad82b64393" providerId="LiveId" clId="{CF6B4C2C-E12C-4FCE-94DC-D1266AF3785C}" dt="2022-05-06T16:03:43.412" v="4" actId="47"/>
-        <pc:sldMkLst>
-          <pc:docMk/>
-          <pc:sldMk cId="0" sldId="362"/>
-        </pc:sldMkLst>
-      </pc:sldChg>
-      <pc:sldChg chg="del">
-        <pc:chgData name="snade jack" userId="ba5019ad82b64393" providerId="LiveId" clId="{CF6B4C2C-E12C-4FCE-94DC-D1266AF3785C}" dt="2022-05-06T16:07:11.706" v="460" actId="47"/>
-        <pc:sldMkLst>
-          <pc:docMk/>
-          <pc:sldMk cId="0" sldId="363"/>
-        </pc:sldMkLst>
-      </pc:sldChg>
-      <pc:sldChg chg="modSp mod">
-        <pc:chgData name="snade jack" userId="ba5019ad82b64393" providerId="LiveId" clId="{CF6B4C2C-E12C-4FCE-94DC-D1266AF3785C}" dt="2022-05-06T16:08:52.367" v="613" actId="20577"/>
-        <pc:sldMkLst>
-          <pc:docMk/>
-          <pc:sldMk cId="0" sldId="365"/>
-        </pc:sldMkLst>
-        <pc:spChg chg="mod">
-          <ac:chgData name="snade jack" userId="ba5019ad82b64393" providerId="LiveId" clId="{CF6B4C2C-E12C-4FCE-94DC-D1266AF3785C}" dt="2022-05-06T16:08:52.367" v="613" actId="20577"/>
-          <ac:spMkLst>
-            <pc:docMk/>
-            <pc:sldMk cId="0" sldId="365"/>
-            <ac:spMk id="3" creationId="{00000000-0000-0000-0000-000000000000}"/>
-          </ac:spMkLst>
-        </pc:spChg>
-      </pc:sldChg>
-    </pc:docChg>
-  </pc:docChgLst>
-</pc:chgInfo>
+<file path=ppt/handoutMasters/handoutMaster1.xml><?xml version="1.0" encoding="utf-8"?>
+<p:handoutMaster xmlns:a="http://schemas.openxmlformats.org/drawingml/2006/main" xmlns:r="http://schemas.openxmlformats.org/officeDocument/2006/relationships" xmlns:p="http://schemas.openxmlformats.org/presentationml/2006/main">
+  <p:cSld>
+    <p:bg>
+      <p:bgRef idx="1001">
+        <a:schemeClr val="bg1"/>
+      </p:bgRef>
+    </p:bg>
+    <p:spTree>
+      <p:nvGrpSpPr>
+        <p:cNvPr id="1" name=""/>
+        <p:cNvGrpSpPr/>
+        <p:nvPr/>
+      </p:nvGrpSpPr>
+      <p:grpSpPr>
+        <a:xfrm>
+          <a:off x="0" y="0"/>
+          <a:ext cx="0" cy="0"/>
+          <a:chOff x="0" y="0"/>
+          <a:chExt cx="0" cy="0"/>
+        </a:xfrm>
+      </p:grpSpPr>
+      <p:sp>
+        <p:nvSpPr>
+          <p:cNvPr id="2" name="页眉占位符 1"/>
+          <p:cNvSpPr>
+            <a:spLocks noGrp="1"/>
+          </p:cNvSpPr>
+          <p:nvPr>
+            <p:ph type="hdr" sz="quarter"/>
+          </p:nvPr>
+        </p:nvSpPr>
+        <p:spPr>
+          <a:xfrm>
+            <a:off x="0" y="0"/>
+            <a:ext cx="2971800" cy="458788"/>
+          </a:xfrm>
+          <a:prstGeom prst="rect">
+            <a:avLst/>
+          </a:prstGeom>
+        </p:spPr>
+        <p:txBody>
+          <a:bodyPr vert="horz" lIns="91440" tIns="45720" rIns="91440" bIns="45720" rtlCol="0"/>
+          <a:lstStyle>
+            <a:lvl1pPr algn="l">
+              <a:defRPr sz="1200"/>
+            </a:lvl1pPr>
+          </a:lstStyle>
+          <a:p>
+            <a:endParaRPr lang="zh-CN" altLang="en-US"/>
+          </a:p>
+        </p:txBody>
+      </p:sp>
+      <p:sp>
+        <p:nvSpPr>
+          <p:cNvPr id="3" name="日期占位符 2"/>
+          <p:cNvSpPr>
+            <a:spLocks noGrp="1"/>
+          </p:cNvSpPr>
+          <p:nvPr>
+            <p:ph type="dt" sz="quarter" idx="1"/>
+          </p:nvPr>
+        </p:nvSpPr>
+        <p:spPr>
+          <a:xfrm>
+            <a:off x="3884613" y="0"/>
+            <a:ext cx="2971800" cy="458788"/>
+          </a:xfrm>
+          <a:prstGeom prst="rect">
+            <a:avLst/>
+          </a:prstGeom>
+        </p:spPr>
+        <p:txBody>
+          <a:bodyPr vert="horz" lIns="91440" tIns="45720" rIns="91440" bIns="45720" rtlCol="0"/>
+          <a:lstStyle>
+            <a:lvl1pPr algn="r">
+              <a:defRPr sz="1200"/>
+            </a:lvl1pPr>
+          </a:lstStyle>
+          <a:p>
+            <a:fld id="{0F9B84EA-7D68-4D60-9CB1-D50884785D1C}" type="datetimeFigureOut">
+              <a:rPr lang="zh-CN" altLang="en-US" smtClean="0"/>
+            </a:fld>
+            <a:endParaRPr lang="zh-CN" altLang="en-US"/>
+          </a:p>
+        </p:txBody>
+      </p:sp>
+      <p:sp>
+        <p:nvSpPr>
+          <p:cNvPr id="4" name="页脚占位符 3"/>
+          <p:cNvSpPr>
+            <a:spLocks noGrp="1"/>
+          </p:cNvSpPr>
+          <p:nvPr>
+            <p:ph type="ftr" sz="quarter" idx="2"/>
+          </p:nvPr>
+        </p:nvSpPr>
+        <p:spPr>
+          <a:xfrm>
+            <a:off x="0" y="8685213"/>
+            <a:ext cx="2971800" cy="458787"/>
+          </a:xfrm>
+          <a:prstGeom prst="rect">
+            <a:avLst/>
+          </a:prstGeom>
+        </p:spPr>
+        <p:txBody>
+          <a:bodyPr vert="horz" lIns="91440" tIns="45720" rIns="91440" bIns="45720" rtlCol="0" anchor="b"/>
+          <a:lstStyle>
+            <a:lvl1pPr algn="l">
+              <a:defRPr sz="1200"/>
+            </a:lvl1pPr>
+          </a:lstStyle>
+          <a:p>
+            <a:endParaRPr lang="zh-CN" altLang="en-US"/>
+          </a:p>
+        </p:txBody>
+      </p:sp>
+      <p:sp>
+        <p:nvSpPr>
+          <p:cNvPr id="5" name="灯片编号占位符 4"/>
+          <p:cNvSpPr>
+            <a:spLocks noGrp="1"/>
+          </p:cNvSpPr>
+          <p:nvPr>
+            <p:ph type="sldNum" sz="quarter" idx="3"/>
+          </p:nvPr>
+        </p:nvSpPr>
+        <p:spPr>
+          <a:xfrm>
+            <a:off x="3884613" y="8685213"/>
+            <a:ext cx="2971800" cy="458787"/>
+          </a:xfrm>
+          <a:prstGeom prst="rect">
+            <a:avLst/>
+          </a:prstGeom>
+        </p:spPr>
+        <p:txBody>
+          <a:bodyPr vert="horz" lIns="91440" tIns="45720" rIns="91440" bIns="45720" rtlCol="0" anchor="b"/>
+          <a:lstStyle>
+            <a:lvl1pPr algn="r">
+              <a:defRPr sz="1200"/>
+            </a:lvl1pPr>
+          </a:lstStyle>
+          <a:p>
+            <a:fld id="{8D4E0FC9-F1F8-4FAE-9988-3BA365CFD46F}" type="slidenum">
+              <a:rPr lang="zh-CN" altLang="en-US" smtClean="0"/>
+            </a:fld>
+            <a:endParaRPr lang="zh-CN" altLang="en-US"/>
+          </a:p>
+        </p:txBody>
+      </p:sp>
+    </p:spTree>
+  </p:cSld>
+  <p:clrMap bg1="lt1" tx1="dk1" bg2="lt2" tx2="dk2" accent1="accent1" accent2="accent2" accent3="accent3" accent4="accent4" accent5="accent5" accent6="accent6" hlink="hlink" folHlink="folHlink"/>
+</p:handoutMaster>
 </file>
 
 <file path=ppt/notesMasters/notesMaster1.xml><?xml version="1.0" encoding="utf-8"?>
@@ -257,7 +357,6 @@
           <a:p>
             <a:fld id="{7B4F2CEB-5DF7-4808-8224-1EF646B93121}" type="datetimeFigureOut">
               <a:rPr lang="zh-CN" altLang="en-US" smtClean="0"/>
-              <a:t>2022/5/7</a:t>
             </a:fld>
             <a:endParaRPr lang="zh-CN" altLang="en-US"/>
           </a:p>
@@ -324,6 +423,7 @@
               <a:rPr lang="zh-CN" altLang="en-US"/>
               <a:t>单击此处编辑母版文本样式</a:t>
             </a:r>
+            <a:endParaRPr lang="zh-CN" altLang="en-US"/>
           </a:p>
           <a:p>
             <a:pPr lvl="1"/>
@@ -331,6 +431,7 @@
               <a:rPr lang="zh-CN" altLang="en-US"/>
               <a:t>二级</a:t>
             </a:r>
+            <a:endParaRPr lang="zh-CN" altLang="en-US"/>
           </a:p>
           <a:p>
             <a:pPr lvl="2"/>
@@ -338,6 +439,7 @@
               <a:rPr lang="zh-CN" altLang="en-US"/>
               <a:t>三级</a:t>
             </a:r>
+            <a:endParaRPr lang="zh-CN" altLang="en-US"/>
           </a:p>
           <a:p>
             <a:pPr lvl="3"/>
@@ -345,6 +447,7 @@
               <a:rPr lang="zh-CN" altLang="en-US"/>
               <a:t>四级</a:t>
             </a:r>
+            <a:endParaRPr lang="zh-CN" altLang="en-US"/>
           </a:p>
           <a:p>
             <a:pPr lvl="4"/>
@@ -352,6 +455,7 @@
               <a:rPr lang="zh-CN" altLang="en-US"/>
               <a:t>五级</a:t>
             </a:r>
+            <a:endParaRPr lang="zh-CN" altLang="en-US"/>
           </a:p>
         </p:txBody>
       </p:sp>
@@ -415,7 +519,6 @@
           <a:p>
             <a:fld id="{83AA1F61-0992-4120-A1E9-FA3A21BB776E}" type="slidenum">
               <a:rPr lang="zh-CN" altLang="en-US" smtClean="0"/>
-              <a:t>‹#›</a:t>
             </a:fld>
             <a:endParaRPr lang="zh-CN" altLang="en-US"/>
           </a:p>
@@ -519,6 +622,50 @@
 </p:notesMaster>
 </file>
 
+<file path=ppt/notesSlides/notesSlide1.xml><?xml version="1.0" encoding="utf-8"?>
+<p:notes xmlns:a="http://schemas.openxmlformats.org/drawingml/2006/main" xmlns:r="http://schemas.openxmlformats.org/officeDocument/2006/relationships" xmlns:p="http://schemas.openxmlformats.org/presentationml/2006/main">
+  <p:cSld>
+    <p:spTree>
+      <p:nvGrpSpPr>
+        <p:cNvPr id="1" name=""/>
+        <p:cNvGrpSpPr/>
+        <p:nvPr/>
+      </p:nvGrpSpPr>
+      <p:grpSpPr/>
+      <p:sp>
+        <p:nvSpPr>
+          <p:cNvPr id="2" name="幻灯片图像占位符 1"/>
+          <p:cNvSpPr/>
+          <p:nvPr>
+            <p:ph type="sldImg" idx="2"/>
+          </p:nvPr>
+        </p:nvSpPr>
+        <p:spPr/>
+      </p:sp>
+      <p:sp>
+        <p:nvSpPr>
+          <p:cNvPr id="3" name="文本占位符 2"/>
+          <p:cNvSpPr/>
+          <p:nvPr>
+            <p:ph type="body" idx="3"/>
+          </p:nvPr>
+        </p:nvSpPr>
+        <p:spPr/>
+        <p:txBody>
+          <a:bodyPr/>
+          <a:p>
+            <a:endParaRPr lang="zh-CN" altLang="en-US"/>
+          </a:p>
+        </p:txBody>
+      </p:sp>
+    </p:spTree>
+  </p:cSld>
+  <p:clrMapOvr>
+    <a:masterClrMapping/>
+  </p:clrMapOvr>
+</p:notes>
+</file>
+
 <file path=ppt/slideLayouts/slideLayout1.xml><?xml version="1.0" encoding="utf-8"?>
 <p:sldLayout xmlns:a="http://schemas.openxmlformats.org/drawingml/2006/main" xmlns:r="http://schemas.openxmlformats.org/officeDocument/2006/relationships" xmlns:p="http://schemas.openxmlformats.org/presentationml/2006/main" type="title" preserve="1">
   <p:cSld name="标题幻灯片">
@@ -564,6 +711,7 @@
               <a:rPr lang="zh-CN" altLang="en-US" dirty="0"/>
               <a:t>单击此处编辑母版标题样式</a:t>
             </a:r>
+            <a:endParaRPr lang="zh-CN" altLang="en-US" dirty="0"/>
           </a:p>
         </p:txBody>
       </p:sp>
@@ -628,6 +776,7 @@
               <a:rPr lang="zh-CN" altLang="en-US"/>
               <a:t>单击此处编辑母版副标题样式</a:t>
             </a:r>
+            <a:endParaRPr lang="zh-CN" altLang="en-US"/>
           </a:p>
         </p:txBody>
       </p:sp>
@@ -648,7 +797,6 @@
           <a:p>
             <a:fld id="{A9482DDB-C4B4-4602-831B-33D7CA22852C}" type="datetime1">
               <a:rPr lang="zh-CN" altLang="en-US" smtClean="0"/>
-              <a:t>2022/5/7</a:t>
             </a:fld>
             <a:endParaRPr lang="zh-CN" altLang="en-US"/>
           </a:p>
@@ -697,7 +845,6 @@
           <a:p>
             <a:fld id="{519AEA81-C1FD-4B2C-87D1-3FA637539CC6}" type="slidenum">
               <a:rPr lang="zh-CN" altLang="en-US" smtClean="0"/>
-              <a:t>‹#›</a:t>
             </a:fld>
             <a:endParaRPr lang="zh-CN" altLang="en-US" dirty="0"/>
           </a:p>
@@ -747,6 +894,7 @@
               <a:rPr lang="zh-CN" altLang="en-US"/>
               <a:t>单击此处编辑母版标题样式</a:t>
             </a:r>
+            <a:endParaRPr lang="zh-CN" altLang="en-US"/>
           </a:p>
         </p:txBody>
       </p:sp>
@@ -770,6 +918,7 @@
               <a:rPr lang="zh-CN" altLang="en-US"/>
               <a:t>单击此处编辑母版文本样式</a:t>
             </a:r>
+            <a:endParaRPr lang="zh-CN" altLang="en-US"/>
           </a:p>
           <a:p>
             <a:pPr lvl="1"/>
@@ -777,6 +926,7 @@
               <a:rPr lang="zh-CN" altLang="en-US"/>
               <a:t>二级</a:t>
             </a:r>
+            <a:endParaRPr lang="zh-CN" altLang="en-US"/>
           </a:p>
           <a:p>
             <a:pPr lvl="2"/>
@@ -784,6 +934,7 @@
               <a:rPr lang="zh-CN" altLang="en-US"/>
               <a:t>三级</a:t>
             </a:r>
+            <a:endParaRPr lang="zh-CN" altLang="en-US"/>
           </a:p>
           <a:p>
             <a:pPr lvl="3"/>
@@ -791,6 +942,7 @@
               <a:rPr lang="zh-CN" altLang="en-US"/>
               <a:t>四级</a:t>
             </a:r>
+            <a:endParaRPr lang="zh-CN" altLang="en-US"/>
           </a:p>
           <a:p>
             <a:pPr lvl="4"/>
@@ -798,6 +950,7 @@
               <a:rPr lang="zh-CN" altLang="en-US"/>
               <a:t>五级</a:t>
             </a:r>
+            <a:endParaRPr lang="zh-CN" altLang="en-US"/>
           </a:p>
         </p:txBody>
       </p:sp>
@@ -818,7 +971,6 @@
           <a:p>
             <a:fld id="{E9B53CE2-FC60-405A-858E-53FC0D5D5173}" type="datetime1">
               <a:rPr lang="zh-CN" altLang="en-US" smtClean="0"/>
-              <a:t>2022/5/7</a:t>
             </a:fld>
             <a:endParaRPr lang="zh-CN" altLang="en-US"/>
           </a:p>
@@ -860,7 +1012,6 @@
           <a:p>
             <a:fld id="{519AEA81-C1FD-4B2C-87D1-3FA637539CC6}" type="slidenum">
               <a:rPr lang="zh-CN" altLang="en-US" smtClean="0"/>
-              <a:t>‹#›</a:t>
             </a:fld>
             <a:endParaRPr lang="zh-CN" altLang="en-US"/>
           </a:p>
@@ -915,6 +1066,7 @@
               <a:rPr lang="zh-CN" altLang="en-US"/>
               <a:t>单击此处编辑母版标题样式</a:t>
             </a:r>
+            <a:endParaRPr lang="zh-CN" altLang="en-US"/>
           </a:p>
         </p:txBody>
       </p:sp>
@@ -943,6 +1095,7 @@
               <a:rPr lang="zh-CN" altLang="en-US"/>
               <a:t>单击此处编辑母版文本样式</a:t>
             </a:r>
+            <a:endParaRPr lang="zh-CN" altLang="en-US"/>
           </a:p>
           <a:p>
             <a:pPr lvl="1"/>
@@ -950,6 +1103,7 @@
               <a:rPr lang="zh-CN" altLang="en-US"/>
               <a:t>二级</a:t>
             </a:r>
+            <a:endParaRPr lang="zh-CN" altLang="en-US"/>
           </a:p>
           <a:p>
             <a:pPr lvl="2"/>
@@ -957,6 +1111,7 @@
               <a:rPr lang="zh-CN" altLang="en-US"/>
               <a:t>三级</a:t>
             </a:r>
+            <a:endParaRPr lang="zh-CN" altLang="en-US"/>
           </a:p>
           <a:p>
             <a:pPr lvl="3"/>
@@ -964,6 +1119,7 @@
               <a:rPr lang="zh-CN" altLang="en-US"/>
               <a:t>四级</a:t>
             </a:r>
+            <a:endParaRPr lang="zh-CN" altLang="en-US"/>
           </a:p>
           <a:p>
             <a:pPr lvl="4"/>
@@ -971,6 +1127,7 @@
               <a:rPr lang="zh-CN" altLang="en-US"/>
               <a:t>五级</a:t>
             </a:r>
+            <a:endParaRPr lang="zh-CN" altLang="en-US"/>
           </a:p>
         </p:txBody>
       </p:sp>
@@ -991,7 +1148,6 @@
           <a:p>
             <a:fld id="{2C0097D1-6629-49F3-8447-AFCF4DA4A258}" type="datetime1">
               <a:rPr lang="zh-CN" altLang="en-US" smtClean="0"/>
-              <a:t>2022/5/7</a:t>
             </a:fld>
             <a:endParaRPr lang="zh-CN" altLang="en-US"/>
           </a:p>
@@ -1033,7 +1189,6 @@
           <a:p>
             <a:fld id="{519AEA81-C1FD-4B2C-87D1-3FA637539CC6}" type="slidenum">
               <a:rPr lang="zh-CN" altLang="en-US" smtClean="0"/>
-              <a:t>‹#›</a:t>
             </a:fld>
             <a:endParaRPr lang="zh-CN" altLang="en-US"/>
           </a:p>
@@ -1083,6 +1238,7 @@
               <a:rPr lang="zh-CN" altLang="en-US"/>
               <a:t>单击此处编辑母版标题样式</a:t>
             </a:r>
+            <a:endParaRPr lang="zh-CN" altLang="en-US"/>
           </a:p>
         </p:txBody>
       </p:sp>
@@ -1106,6 +1262,7 @@
               <a:rPr lang="zh-CN" altLang="en-US"/>
               <a:t>单击此处编辑母版文本样式</a:t>
             </a:r>
+            <a:endParaRPr lang="zh-CN" altLang="en-US"/>
           </a:p>
           <a:p>
             <a:pPr lvl="1"/>
@@ -1113,6 +1270,7 @@
               <a:rPr lang="zh-CN" altLang="en-US"/>
               <a:t>二级</a:t>
             </a:r>
+            <a:endParaRPr lang="zh-CN" altLang="en-US"/>
           </a:p>
           <a:p>
             <a:pPr lvl="2"/>
@@ -1120,6 +1278,7 @@
               <a:rPr lang="zh-CN" altLang="en-US"/>
               <a:t>三级</a:t>
             </a:r>
+            <a:endParaRPr lang="zh-CN" altLang="en-US"/>
           </a:p>
           <a:p>
             <a:pPr lvl="3"/>
@@ -1127,6 +1286,7 @@
               <a:rPr lang="zh-CN" altLang="en-US"/>
               <a:t>四级</a:t>
             </a:r>
+            <a:endParaRPr lang="zh-CN" altLang="en-US"/>
           </a:p>
           <a:p>
             <a:pPr lvl="4"/>
@@ -1134,6 +1294,7 @@
               <a:rPr lang="zh-CN" altLang="en-US"/>
               <a:t>五级</a:t>
             </a:r>
+            <a:endParaRPr lang="zh-CN" altLang="en-US"/>
           </a:p>
         </p:txBody>
       </p:sp>
@@ -1154,7 +1315,6 @@
           <a:p>
             <a:fld id="{91C93C8A-D80A-4DE1-A999-215FD607DBE3}" type="datetime1">
               <a:rPr lang="zh-CN" altLang="en-US" smtClean="0"/>
-              <a:t>2022/5/7</a:t>
             </a:fld>
             <a:endParaRPr lang="zh-CN" altLang="en-US"/>
           </a:p>
@@ -1196,7 +1356,6 @@
           <a:p>
             <a:fld id="{519AEA81-C1FD-4B2C-87D1-3FA637539CC6}" type="slidenum">
               <a:rPr lang="zh-CN" altLang="en-US" smtClean="0"/>
-              <a:t>‹#›</a:t>
             </a:fld>
             <a:endParaRPr lang="zh-CN" altLang="en-US" dirty="0"/>
           </a:p>
@@ -1258,6 +1417,7 @@
               <a:rPr lang="zh-CN" altLang="en-US" dirty="0"/>
               <a:t>单击此处编辑母版标题样式</a:t>
             </a:r>
+            <a:endParaRPr lang="zh-CN" altLang="en-US" dirty="0"/>
           </a:p>
         </p:txBody>
       </p:sp>
@@ -1377,6 +1537,7 @@
               <a:rPr lang="zh-CN" altLang="en-US" dirty="0"/>
               <a:t>单击此处编辑母版文本样式</a:t>
             </a:r>
+            <a:endParaRPr lang="zh-CN" altLang="en-US" dirty="0"/>
           </a:p>
         </p:txBody>
       </p:sp>
@@ -1397,7 +1558,6 @@
           <a:p>
             <a:fld id="{1B426F48-097D-4E21-B763-D29753566D82}" type="datetime1">
               <a:rPr lang="zh-CN" altLang="en-US" smtClean="0"/>
-              <a:t>2022/5/7</a:t>
             </a:fld>
             <a:endParaRPr lang="zh-CN" altLang="en-US"/>
           </a:p>
@@ -1439,7 +1599,6 @@
           <a:p>
             <a:fld id="{519AEA81-C1FD-4B2C-87D1-3FA637539CC6}" type="slidenum">
               <a:rPr lang="zh-CN" altLang="en-US" smtClean="0"/>
-              <a:t>‹#›</a:t>
             </a:fld>
             <a:endParaRPr lang="zh-CN" altLang="en-US"/>
           </a:p>
@@ -1489,6 +1648,7 @@
               <a:rPr lang="zh-CN" altLang="en-US"/>
               <a:t>单击此处编辑母版标题样式</a:t>
             </a:r>
+            <a:endParaRPr lang="zh-CN" altLang="en-US"/>
           </a:p>
         </p:txBody>
       </p:sp>
@@ -1517,6 +1677,7 @@
               <a:rPr lang="zh-CN" altLang="en-US"/>
               <a:t>单击此处编辑母版文本样式</a:t>
             </a:r>
+            <a:endParaRPr lang="zh-CN" altLang="en-US"/>
           </a:p>
           <a:p>
             <a:pPr lvl="1"/>
@@ -1524,6 +1685,7 @@
               <a:rPr lang="zh-CN" altLang="en-US"/>
               <a:t>二级</a:t>
             </a:r>
+            <a:endParaRPr lang="zh-CN" altLang="en-US"/>
           </a:p>
           <a:p>
             <a:pPr lvl="2"/>
@@ -1531,6 +1693,7 @@
               <a:rPr lang="zh-CN" altLang="en-US"/>
               <a:t>三级</a:t>
             </a:r>
+            <a:endParaRPr lang="zh-CN" altLang="en-US"/>
           </a:p>
           <a:p>
             <a:pPr lvl="3"/>
@@ -1538,6 +1701,7 @@
               <a:rPr lang="zh-CN" altLang="en-US"/>
               <a:t>四级</a:t>
             </a:r>
+            <a:endParaRPr lang="zh-CN" altLang="en-US"/>
           </a:p>
           <a:p>
             <a:pPr lvl="4"/>
@@ -1545,6 +1709,7 @@
               <a:rPr lang="zh-CN" altLang="en-US"/>
               <a:t>五级</a:t>
             </a:r>
+            <a:endParaRPr lang="zh-CN" altLang="en-US"/>
           </a:p>
         </p:txBody>
       </p:sp>
@@ -1573,6 +1738,7 @@
               <a:rPr lang="zh-CN" altLang="en-US"/>
               <a:t>单击此处编辑母版文本样式</a:t>
             </a:r>
+            <a:endParaRPr lang="zh-CN" altLang="en-US"/>
           </a:p>
           <a:p>
             <a:pPr lvl="1"/>
@@ -1580,6 +1746,7 @@
               <a:rPr lang="zh-CN" altLang="en-US"/>
               <a:t>二级</a:t>
             </a:r>
+            <a:endParaRPr lang="zh-CN" altLang="en-US"/>
           </a:p>
           <a:p>
             <a:pPr lvl="2"/>
@@ -1587,6 +1754,7 @@
               <a:rPr lang="zh-CN" altLang="en-US"/>
               <a:t>三级</a:t>
             </a:r>
+            <a:endParaRPr lang="zh-CN" altLang="en-US"/>
           </a:p>
           <a:p>
             <a:pPr lvl="3"/>
@@ -1594,6 +1762,7 @@
               <a:rPr lang="zh-CN" altLang="en-US"/>
               <a:t>四级</a:t>
             </a:r>
+            <a:endParaRPr lang="zh-CN" altLang="en-US"/>
           </a:p>
           <a:p>
             <a:pPr lvl="4"/>
@@ -1601,6 +1770,7 @@
               <a:rPr lang="zh-CN" altLang="en-US"/>
               <a:t>五级</a:t>
             </a:r>
+            <a:endParaRPr lang="zh-CN" altLang="en-US"/>
           </a:p>
         </p:txBody>
       </p:sp>
@@ -1621,7 +1791,6 @@
           <a:p>
             <a:fld id="{493A7B37-EF3E-4286-9A7A-8A71F864A976}" type="datetime1">
               <a:rPr lang="zh-CN" altLang="en-US" smtClean="0"/>
-              <a:t>2022/5/7</a:t>
             </a:fld>
             <a:endParaRPr lang="zh-CN" altLang="en-US"/>
           </a:p>
@@ -1663,7 +1832,6 @@
           <a:p>
             <a:fld id="{519AEA81-C1FD-4B2C-87D1-3FA637539CC6}" type="slidenum">
               <a:rPr lang="zh-CN" altLang="en-US" smtClean="0"/>
-              <a:t>‹#›</a:t>
             </a:fld>
             <a:endParaRPr lang="zh-CN" altLang="en-US"/>
           </a:p>
@@ -1718,6 +1886,7 @@
               <a:rPr lang="zh-CN" altLang="en-US"/>
               <a:t>单击此处编辑母版标题样式</a:t>
             </a:r>
+            <a:endParaRPr lang="zh-CN" altLang="en-US"/>
           </a:p>
         </p:txBody>
       </p:sp>
@@ -1783,6 +1952,7 @@
               <a:rPr lang="zh-CN" altLang="en-US"/>
               <a:t>单击此处编辑母版文本样式</a:t>
             </a:r>
+            <a:endParaRPr lang="zh-CN" altLang="en-US"/>
           </a:p>
         </p:txBody>
       </p:sp>
@@ -1811,6 +1981,7 @@
               <a:rPr lang="zh-CN" altLang="en-US"/>
               <a:t>单击此处编辑母版文本样式</a:t>
             </a:r>
+            <a:endParaRPr lang="zh-CN" altLang="en-US"/>
           </a:p>
           <a:p>
             <a:pPr lvl="1"/>
@@ -1818,6 +1989,7 @@
               <a:rPr lang="zh-CN" altLang="en-US"/>
               <a:t>二级</a:t>
             </a:r>
+            <a:endParaRPr lang="zh-CN" altLang="en-US"/>
           </a:p>
           <a:p>
             <a:pPr lvl="2"/>
@@ -1825,6 +1997,7 @@
               <a:rPr lang="zh-CN" altLang="en-US"/>
               <a:t>三级</a:t>
             </a:r>
+            <a:endParaRPr lang="zh-CN" altLang="en-US"/>
           </a:p>
           <a:p>
             <a:pPr lvl="3"/>
@@ -1832,6 +2005,7 @@
               <a:rPr lang="zh-CN" altLang="en-US"/>
               <a:t>四级</a:t>
             </a:r>
+            <a:endParaRPr lang="zh-CN" altLang="en-US"/>
           </a:p>
           <a:p>
             <a:pPr lvl="4"/>
@@ -1839,6 +2013,7 @@
               <a:rPr lang="zh-CN" altLang="en-US"/>
               <a:t>五级</a:t>
             </a:r>
+            <a:endParaRPr lang="zh-CN" altLang="en-US"/>
           </a:p>
         </p:txBody>
       </p:sp>
@@ -1904,6 +2079,7 @@
               <a:rPr lang="zh-CN" altLang="en-US"/>
               <a:t>单击此处编辑母版文本样式</a:t>
             </a:r>
+            <a:endParaRPr lang="zh-CN" altLang="en-US"/>
           </a:p>
         </p:txBody>
       </p:sp>
@@ -1932,6 +2108,7 @@
               <a:rPr lang="zh-CN" altLang="en-US"/>
               <a:t>单击此处编辑母版文本样式</a:t>
             </a:r>
+            <a:endParaRPr lang="zh-CN" altLang="en-US"/>
           </a:p>
           <a:p>
             <a:pPr lvl="1"/>
@@ -1939,6 +2116,7 @@
               <a:rPr lang="zh-CN" altLang="en-US"/>
               <a:t>二级</a:t>
             </a:r>
+            <a:endParaRPr lang="zh-CN" altLang="en-US"/>
           </a:p>
           <a:p>
             <a:pPr lvl="2"/>
@@ -1946,6 +2124,7 @@
               <a:rPr lang="zh-CN" altLang="en-US"/>
               <a:t>三级</a:t>
             </a:r>
+            <a:endParaRPr lang="zh-CN" altLang="en-US"/>
           </a:p>
           <a:p>
             <a:pPr lvl="3"/>
@@ -1953,6 +2132,7 @@
               <a:rPr lang="zh-CN" altLang="en-US"/>
               <a:t>四级</a:t>
             </a:r>
+            <a:endParaRPr lang="zh-CN" altLang="en-US"/>
           </a:p>
           <a:p>
             <a:pPr lvl="4"/>
@@ -1960,6 +2140,7 @@
               <a:rPr lang="zh-CN" altLang="en-US"/>
               <a:t>五级</a:t>
             </a:r>
+            <a:endParaRPr lang="zh-CN" altLang="en-US"/>
           </a:p>
         </p:txBody>
       </p:sp>
@@ -1980,7 +2161,6 @@
           <a:p>
             <a:fld id="{EE865B14-2060-46DE-8771-7F348C538412}" type="datetime1">
               <a:rPr lang="zh-CN" altLang="en-US" smtClean="0"/>
-              <a:t>2022/5/7</a:t>
             </a:fld>
             <a:endParaRPr lang="zh-CN" altLang="en-US"/>
           </a:p>
@@ -2022,7 +2202,6 @@
           <a:p>
             <a:fld id="{519AEA81-C1FD-4B2C-87D1-3FA637539CC6}" type="slidenum">
               <a:rPr lang="zh-CN" altLang="en-US" smtClean="0"/>
-              <a:t>‹#›</a:t>
             </a:fld>
             <a:endParaRPr lang="zh-CN" altLang="en-US"/>
           </a:p>
@@ -2072,6 +2251,7 @@
               <a:rPr lang="zh-CN" altLang="en-US"/>
               <a:t>单击此处编辑母版标题样式</a:t>
             </a:r>
+            <a:endParaRPr lang="zh-CN" altLang="en-US"/>
           </a:p>
         </p:txBody>
       </p:sp>
@@ -2092,7 +2272,6 @@
           <a:p>
             <a:fld id="{85AF00BA-1A83-449D-8AEA-1E736981FE20}" type="datetime1">
               <a:rPr lang="zh-CN" altLang="en-US" smtClean="0"/>
-              <a:t>2022/5/7</a:t>
             </a:fld>
             <a:endParaRPr lang="zh-CN" altLang="en-US"/>
           </a:p>
@@ -2134,7 +2313,6 @@
           <a:p>
             <a:fld id="{519AEA81-C1FD-4B2C-87D1-3FA637539CC6}" type="slidenum">
               <a:rPr lang="zh-CN" altLang="en-US" smtClean="0"/>
-              <a:t>‹#›</a:t>
             </a:fld>
             <a:endParaRPr lang="zh-CN" altLang="en-US"/>
           </a:p>
@@ -2182,7 +2360,6 @@
           <a:p>
             <a:fld id="{65F816BB-10C1-4E24-9BB7-3D382288F272}" type="datetime1">
               <a:rPr lang="zh-CN" altLang="en-US" smtClean="0"/>
-              <a:t>2022/5/7</a:t>
             </a:fld>
             <a:endParaRPr lang="zh-CN" altLang="en-US"/>
           </a:p>
@@ -2224,7 +2401,6 @@
           <a:p>
             <a:fld id="{519AEA81-C1FD-4B2C-87D1-3FA637539CC6}" type="slidenum">
               <a:rPr lang="zh-CN" altLang="en-US" smtClean="0"/>
-              <a:t>‹#›</a:t>
             </a:fld>
             <a:endParaRPr lang="zh-CN" altLang="en-US"/>
           </a:p>
@@ -2283,6 +2459,7 @@
               <a:rPr lang="zh-CN" altLang="en-US"/>
               <a:t>单击此处编辑母版标题样式</a:t>
             </a:r>
+            <a:endParaRPr lang="zh-CN" altLang="en-US"/>
           </a:p>
         </p:txBody>
       </p:sp>
@@ -2339,6 +2516,7 @@
               <a:rPr lang="zh-CN" altLang="en-US"/>
               <a:t>单击此处编辑母版文本样式</a:t>
             </a:r>
+            <a:endParaRPr lang="zh-CN" altLang="en-US"/>
           </a:p>
           <a:p>
             <a:pPr lvl="1"/>
@@ -2346,6 +2524,7 @@
               <a:rPr lang="zh-CN" altLang="en-US"/>
               <a:t>二级</a:t>
             </a:r>
+            <a:endParaRPr lang="zh-CN" altLang="en-US"/>
           </a:p>
           <a:p>
             <a:pPr lvl="2"/>
@@ -2353,6 +2532,7 @@
               <a:rPr lang="zh-CN" altLang="en-US"/>
               <a:t>三级</a:t>
             </a:r>
+            <a:endParaRPr lang="zh-CN" altLang="en-US"/>
           </a:p>
           <a:p>
             <a:pPr lvl="3"/>
@@ -2360,6 +2540,7 @@
               <a:rPr lang="zh-CN" altLang="en-US"/>
               <a:t>四级</a:t>
             </a:r>
+            <a:endParaRPr lang="zh-CN" altLang="en-US"/>
           </a:p>
           <a:p>
             <a:pPr lvl="4"/>
@@ -2367,6 +2548,7 @@
               <a:rPr lang="zh-CN" altLang="en-US"/>
               <a:t>五级</a:t>
             </a:r>
+            <a:endParaRPr lang="zh-CN" altLang="en-US"/>
           </a:p>
         </p:txBody>
       </p:sp>
@@ -2432,6 +2614,7 @@
               <a:rPr lang="zh-CN" altLang="en-US"/>
               <a:t>单击此处编辑母版文本样式</a:t>
             </a:r>
+            <a:endParaRPr lang="zh-CN" altLang="en-US"/>
           </a:p>
         </p:txBody>
       </p:sp>
@@ -2452,7 +2635,6 @@
           <a:p>
             <a:fld id="{EDB3BA1B-C557-45E4-9C66-0434B6B2BC7D}" type="datetime1">
               <a:rPr lang="zh-CN" altLang="en-US" smtClean="0"/>
-              <a:t>2022/5/7</a:t>
             </a:fld>
             <a:endParaRPr lang="zh-CN" altLang="en-US"/>
           </a:p>
@@ -2494,7 +2676,6 @@
           <a:p>
             <a:fld id="{519AEA81-C1FD-4B2C-87D1-3FA637539CC6}" type="slidenum">
               <a:rPr lang="zh-CN" altLang="en-US" smtClean="0"/>
-              <a:t>‹#›</a:t>
             </a:fld>
             <a:endParaRPr lang="zh-CN" altLang="en-US"/>
           </a:p>
@@ -2553,6 +2734,7 @@
               <a:rPr lang="zh-CN" altLang="en-US"/>
               <a:t>单击此处编辑母版标题样式</a:t>
             </a:r>
+            <a:endParaRPr lang="zh-CN" altLang="en-US"/>
           </a:p>
         </p:txBody>
       </p:sp>
@@ -2679,6 +2861,7 @@
               <a:rPr lang="zh-CN" altLang="en-US"/>
               <a:t>单击此处编辑母版文本样式</a:t>
             </a:r>
+            <a:endParaRPr lang="zh-CN" altLang="en-US"/>
           </a:p>
         </p:txBody>
       </p:sp>
@@ -2699,7 +2882,6 @@
           <a:p>
             <a:fld id="{1940BD16-E0DE-4D56-BE59-0FECC58F0719}" type="datetime1">
               <a:rPr lang="zh-CN" altLang="en-US" smtClean="0"/>
-              <a:t>2022/5/7</a:t>
             </a:fld>
             <a:endParaRPr lang="zh-CN" altLang="en-US"/>
           </a:p>
@@ -2741,7 +2923,6 @@
           <a:p>
             <a:fld id="{519AEA81-C1FD-4B2C-87D1-3FA637539CC6}" type="slidenum">
               <a:rPr lang="zh-CN" altLang="en-US" smtClean="0"/>
-              <a:t>‹#›</a:t>
             </a:fld>
             <a:endParaRPr lang="zh-CN" altLang="en-US"/>
           </a:p>
@@ -2806,6 +2987,7 @@
               <a:rPr lang="zh-CN" altLang="en-US" dirty="0"/>
               <a:t>单击此处编辑母版标题样式</a:t>
             </a:r>
+            <a:endParaRPr lang="zh-CN" altLang="en-US" dirty="0"/>
           </a:p>
         </p:txBody>
       </p:sp>
@@ -2839,6 +3021,7 @@
               <a:rPr lang="zh-CN" altLang="en-US" dirty="0"/>
               <a:t>单击此处编辑母版文本样式</a:t>
             </a:r>
+            <a:endParaRPr lang="zh-CN" altLang="en-US" dirty="0"/>
           </a:p>
           <a:p>
             <a:pPr lvl="1"/>
@@ -2846,6 +3029,7 @@
               <a:rPr lang="zh-CN" altLang="en-US" dirty="0"/>
               <a:t>二级</a:t>
             </a:r>
+            <a:endParaRPr lang="zh-CN" altLang="en-US" dirty="0"/>
           </a:p>
           <a:p>
             <a:pPr lvl="2"/>
@@ -2853,6 +3037,7 @@
               <a:rPr lang="zh-CN" altLang="en-US" dirty="0"/>
               <a:t>三级</a:t>
             </a:r>
+            <a:endParaRPr lang="zh-CN" altLang="en-US" dirty="0"/>
           </a:p>
           <a:p>
             <a:pPr lvl="3"/>
@@ -2860,6 +3045,7 @@
               <a:rPr lang="zh-CN" altLang="en-US" dirty="0"/>
               <a:t>四级</a:t>
             </a:r>
+            <a:endParaRPr lang="zh-CN" altLang="en-US" dirty="0"/>
           </a:p>
           <a:p>
             <a:pPr lvl="4"/>
@@ -2867,6 +3053,7 @@
               <a:rPr lang="zh-CN" altLang="en-US" dirty="0"/>
               <a:t>五级</a:t>
             </a:r>
+            <a:endParaRPr lang="zh-CN" altLang="en-US" dirty="0"/>
           </a:p>
         </p:txBody>
       </p:sp>
@@ -2905,7 +3092,6 @@
           <a:p>
             <a:fld id="{A1C7E667-A427-4A7F-A6E1-89474718F88F}" type="datetime1">
               <a:rPr lang="zh-CN" altLang="en-US" smtClean="0"/>
-              <a:t>2022/5/7</a:t>
             </a:fld>
             <a:endParaRPr lang="zh-CN" altLang="en-US"/>
           </a:p>
@@ -2983,7 +3169,6 @@
           <a:p>
             <a:fld id="{519AEA81-C1FD-4B2C-87D1-3FA637539CC6}" type="slidenum">
               <a:rPr lang="zh-CN" altLang="en-US" smtClean="0"/>
-              <a:t>‹#›</a:t>
             </a:fld>
             <a:endParaRPr lang="zh-CN" altLang="en-US"/>
           </a:p>
@@ -3379,6 +3564,7 @@
               <a:rPr lang="zh-CN" altLang="en-US" dirty="0"/>
               <a:t>进度汇报</a:t>
             </a:r>
+            <a:endParaRPr lang="zh-CN" altLang="en-US" dirty="0"/>
           </a:p>
         </p:txBody>
       </p:sp>
@@ -3401,6 +3587,7 @@
               <a:rPr lang="zh-CN" altLang="en-US" dirty="0"/>
               <a:t>刘松铭 于子淳</a:t>
             </a:r>
+            <a:endParaRPr lang="zh-CN" altLang="en-US" dirty="0"/>
           </a:p>
         </p:txBody>
       </p:sp>
@@ -3421,7 +3608,6 @@
           <a:p>
             <a:fld id="{519AEA81-C1FD-4B2C-87D1-3FA637539CC6}" type="slidenum">
               <a:rPr lang="zh-CN" altLang="en-US" smtClean="0"/>
-              <a:t>1</a:t>
             </a:fld>
             <a:endParaRPr lang="zh-CN" altLang="en-US" dirty="0"/>
           </a:p>
@@ -3468,9 +3654,10 @@
           <a:lstStyle/>
           <a:p>
             <a:r>
-              <a:rPr lang="zh-CN" altLang="en-US"/>
+              <a:rPr lang="zh-CN" altLang="en-US" dirty="0"/>
               <a:t>进度汇报</a:t>
             </a:r>
+            <a:endParaRPr lang="zh-CN" altLang="en-US" dirty="0"/>
           </a:p>
         </p:txBody>
       </p:sp>
@@ -3486,145 +3673,136 @@
         </p:nvSpPr>
         <p:spPr>
           <a:xfrm>
-            <a:off x="838200" y="1825625"/>
-            <a:ext cx="10717530" cy="4667250"/>
+            <a:off x="838200" y="1257300"/>
+            <a:ext cx="11007725" cy="5278120"/>
           </a:xfrm>
         </p:spPr>
         <p:txBody>
-          <a:bodyPr/>
-          <a:lstStyle/>
-          <a:p>
-            <a:r>
-              <a:rPr lang="zh-CN" altLang="en-US" dirty="0"/>
-              <a:t>刘松铭</a:t>
-            </a:r>
+          <a:bodyPr>
+            <a:noAutofit/>
+          </a:bodyPr>
+          <a:lstStyle/>
+          <a:p>
+            <a:r>
+              <a:rPr lang="zh-CN" altLang="en-US" sz="2400" dirty="0"/>
+              <a:t>于子淳</a:t>
+            </a:r>
+            <a:endParaRPr lang="zh-CN" altLang="en-US" sz="2400" dirty="0"/>
+          </a:p>
+          <a:p>
+            <a:r>
+              <a:rPr lang="en-US" altLang="zh-CN" sz="2400" dirty="0"/>
+              <a:t>zCore yuzc </a:t>
+            </a:r>
+            <a:r>
+              <a:rPr lang="zh-CN" altLang="en-US" sz="2400" dirty="0"/>
+              <a:t>分支</a:t>
+            </a:r>
+            <a:endParaRPr lang="zh-CN" altLang="en-US" sz="2400" dirty="0"/>
           </a:p>
           <a:p>
             <a:pPr lvl="1"/>
             <a:r>
-              <a:rPr lang="zh-CN" altLang="en-US" dirty="0"/>
-              <a:t>假期主要时间用在制作</a:t>
-            </a:r>
-            <a:r>
-              <a:rPr lang="en-US" altLang="zh-CN" dirty="0"/>
-              <a:t>SD</a:t>
-            </a:r>
-            <a:r>
-              <a:rPr lang="zh-CN" altLang="en-US" dirty="0"/>
-              <a:t>卡，但是目前来看还是存在比较大的困难</a:t>
-            </a:r>
-            <a:endParaRPr lang="en-US" altLang="zh-CN" dirty="0"/>
+              <a:rPr lang="zh-CN" altLang="en-US" sz="2000" dirty="0">
+                <a:sym typeface="+mn-ea"/>
+              </a:rPr>
+              <a:t>经过 gdb 调试，修复了 fork 次数多会 page fault 的问题。主要原因有两个，其一是由于若一个线程与其他线程共享内存，在这个线程结束时，会写 0（根本原因）到 clear_child_tid 指针中（futex 相关）并唤醒一个在等待共享内存的线程。解决方法是在写之前检查地址的合法性，也尝试过刷新 TLB，未果；其二是在调度器的 WEAK Executor 部分，return 和 drop 的顺序有误，应该是先 drop 掉已经结束的任务再 return，否则可能在接下来的调度中执行已经结束的任务，造成 page fault</a:t>
+            </a:r>
+            <a:endParaRPr lang="zh-CN" altLang="en-US" sz="2000" dirty="0">
+              <a:sym typeface="+mn-ea"/>
+            </a:endParaRPr>
           </a:p>
           <a:p>
             <a:pPr lvl="1"/>
             <a:r>
-              <a:rPr lang="zh-CN" altLang="en-US" dirty="0"/>
-              <a:t>首先尝试直接用官网的</a:t>
-            </a:r>
-            <a:r>
-              <a:rPr lang="en-US" altLang="zh-CN" dirty="0"/>
-              <a:t>release</a:t>
-            </a:r>
-            <a:r>
-              <a:rPr lang="zh-CN" altLang="en-US" dirty="0"/>
-              <a:t>做，拷贝进去后发现识别不出</a:t>
-            </a:r>
-            <a:r>
-              <a:rPr lang="en-US" altLang="zh-CN" dirty="0"/>
-              <a:t>SD</a:t>
-            </a:r>
-            <a:r>
-              <a:rPr lang="zh-CN" altLang="en-US" dirty="0"/>
-              <a:t>卡。猜测</a:t>
-            </a:r>
-            <a:r>
-              <a:rPr lang="en-US" altLang="zh-CN" dirty="0"/>
-              <a:t>release</a:t>
-            </a:r>
-            <a:r>
-              <a:rPr lang="zh-CN" altLang="en-US" dirty="0"/>
-              <a:t>里的内容应该不是原</a:t>
-            </a:r>
-            <a:r>
-              <a:rPr lang="en-US" altLang="zh-CN" dirty="0"/>
-              <a:t>SD</a:t>
-            </a:r>
-            <a:r>
-              <a:rPr lang="zh-CN" altLang="en-US" dirty="0"/>
-              <a:t>卡的镜像。</a:t>
-            </a:r>
-            <a:endParaRPr lang="en-US" altLang="zh-CN" dirty="0"/>
+              <a:rPr lang="zh-CN" altLang="en-US" sz="2000" dirty="0">
+                <a:sym typeface="+mn-ea"/>
+              </a:rPr>
+              <a:t>内核 sleep 时间不准确，发现是有的地方出现了相对和绝对时间进行比较的问题，已进行修复。鉴于这个问题对时间测量有比较大影响，应尽快向主仓库提 issue 或 pull request</a:t>
+            </a:r>
+            <a:endParaRPr lang="zh-CN" altLang="en-US" sz="2000" dirty="0">
+              <a:sym typeface="+mn-ea"/>
+            </a:endParaRPr>
           </a:p>
           <a:p>
             <a:pPr lvl="1"/>
             <a:r>
-              <a:rPr lang="zh-CN" altLang="en-US" dirty="0"/>
-              <a:t>接着尝试按照官网的</a:t>
-            </a:r>
-            <a:r>
-              <a:rPr lang="en-US" altLang="zh-CN" dirty="0"/>
-              <a:t>README</a:t>
-            </a:r>
-            <a:r>
-              <a:rPr lang="zh-CN" altLang="en-US" dirty="0"/>
-              <a:t>做镜像。过程中碰到了一些问题，都一一记录下来。后来也没有成功，一方面制作镜像需要比较大的磁盘和</a:t>
-            </a:r>
-            <a:r>
-              <a:rPr lang="en-US" altLang="zh-CN" dirty="0"/>
-              <a:t>CPU</a:t>
-            </a:r>
-            <a:r>
-              <a:rPr lang="zh-CN" altLang="en-US" dirty="0"/>
-              <a:t>占用，暂时没有找到合适的设备，另一方面也需要比较长的时间。经过和助教讨论我们打算先尝试别的方法。</a:t>
-            </a:r>
-            <a:endParaRPr lang="en-US" altLang="zh-CN" dirty="0"/>
-          </a:p>
-          <a:p>
-            <a:r>
-              <a:rPr lang="zh-CN" altLang="en-US" dirty="0"/>
-              <a:t>解决方案</a:t>
-            </a:r>
-            <a:endParaRPr lang="en-US" altLang="zh-CN" dirty="0"/>
+              <a:rPr lang="zh-CN" altLang="en-US" sz="2000" dirty="0">
+                <a:sym typeface="+mn-ea"/>
+              </a:rPr>
+              <a:t>已经可以在单或多核上通过 forktest，较为复杂的 kernel_intr_test（中断测试）和 coretest（fork、sleep 和输出的非周期混合）只能在单核上通过，上述自行设计的测例源码均在仓库的 ucore-user 文件夹下</a:t>
+            </a:r>
+            <a:endParaRPr lang="zh-CN" altLang="en-US" sz="2000" dirty="0">
+              <a:sym typeface="+mn-ea"/>
+            </a:endParaRPr>
+          </a:p>
+          <a:p>
+            <a:r>
+              <a:rPr lang="zh-CN" altLang="en-US" sz="2400" dirty="0">
+                <a:sym typeface="+mn-ea"/>
+              </a:rPr>
+              <a:t>调度器 </a:t>
+            </a:r>
+            <a:r>
+              <a:rPr lang="en-US" altLang="zh-CN" sz="2400" dirty="0">
+                <a:sym typeface="+mn-ea"/>
+              </a:rPr>
+              <a:t>yuzc </a:t>
+            </a:r>
+            <a:r>
+              <a:rPr lang="zh-CN" altLang="en-US" sz="2400" dirty="0">
+                <a:sym typeface="+mn-ea"/>
+              </a:rPr>
+              <a:t>分支</a:t>
+            </a:r>
+            <a:endParaRPr lang="zh-CN" altLang="en-US" sz="2400" dirty="0">
+              <a:sym typeface="+mn-ea"/>
+            </a:endParaRPr>
           </a:p>
           <a:p>
             <a:pPr lvl="1"/>
             <a:r>
-              <a:rPr lang="zh-CN" altLang="en-US" dirty="0"/>
-              <a:t>按照石振兴老师提供的</a:t>
-            </a:r>
-            <a:r>
-              <a:rPr lang="en-US" altLang="zh-CN" dirty="0"/>
-              <a:t>Ubuntu</a:t>
-            </a:r>
-            <a:r>
-              <a:rPr lang="zh-CN" altLang="en-US" dirty="0"/>
-              <a:t>镜像进行尝试，可能需要对其修改。</a:t>
-            </a:r>
-            <a:endParaRPr lang="en-US" altLang="zh-CN" dirty="0"/>
+              <a:rPr lang="zh-CN" altLang="en-US" sz="2000" dirty="0">
+                <a:sym typeface="+mn-ea"/>
+              </a:rPr>
+              <a:t>支持根据多核负载均衡执行新 spawn 任务</a:t>
+            </a:r>
+            <a:endParaRPr lang="zh-CN" altLang="en-US" sz="2000" dirty="0">
+              <a:sym typeface="+mn-ea"/>
+            </a:endParaRPr>
           </a:p>
           <a:p>
             <a:pPr lvl="1"/>
             <a:r>
-              <a:rPr lang="zh-CN" altLang="en-US" dirty="0"/>
-              <a:t>想办法借一个好的</a:t>
-            </a:r>
-            <a:r>
-              <a:rPr lang="en-US" altLang="zh-CN" dirty="0"/>
-              <a:t>SD</a:t>
-            </a:r>
-            <a:r>
-              <a:rPr lang="zh-CN" altLang="en-US" dirty="0"/>
-              <a:t>卡拷贝其中的数据。</a:t>
-            </a:r>
-            <a:endParaRPr lang="en-US" altLang="zh-CN" dirty="0"/>
+              <a:rPr lang="zh-CN" altLang="en-US" sz="2000" dirty="0">
+                <a:sym typeface="+mn-ea"/>
+              </a:rPr>
+              <a:t>支持动态输出在哪个核上跑的任务</a:t>
+            </a:r>
+            <a:endParaRPr lang="zh-CN" altLang="en-US" sz="2000" dirty="0">
+              <a:sym typeface="+mn-ea"/>
+            </a:endParaRPr>
           </a:p>
           <a:p>
             <a:pPr lvl="1"/>
             <a:r>
-              <a:rPr lang="zh-CN" altLang="en-US" dirty="0"/>
-              <a:t>找到合适的设备按照官网的教程走完。</a:t>
-            </a:r>
-            <a:endParaRPr lang="en-US" altLang="zh-CN" dirty="0"/>
+              <a:rPr lang="zh-CN" altLang="en-US" sz="2000" dirty="0">
+                <a:sym typeface="+mn-ea"/>
+              </a:rPr>
+              <a:t>加入了简单的优先级更新调度机制，但目前仍有一些编译警告需要修复</a:t>
+            </a:r>
+            <a:endParaRPr lang="zh-CN" altLang="en-US" sz="2000" dirty="0">
+              <a:sym typeface="+mn-ea"/>
+            </a:endParaRPr>
+          </a:p>
+          <a:p>
+            <a:pPr marL="457200" lvl="1" indent="0">
+              <a:buFont typeface="Wingdings" panose="05000000000000000000" charset="0"/>
+              <a:buNone/>
+            </a:pPr>
+            <a:endParaRPr lang="zh-CN" altLang="en-US" sz="2000" dirty="0">
+              <a:sym typeface="+mn-ea"/>
+            </a:endParaRPr>
           </a:p>
         </p:txBody>
       </p:sp>
@@ -3645,7 +3823,6 @@
           <a:p>
             <a:fld id="{519AEA81-C1FD-4B2C-87D1-3FA637539CC6}" type="slidenum">
               <a:rPr lang="zh-CN" altLang="en-US" smtClean="0"/>
-              <a:t>2</a:t>
             </a:fld>
             <a:endParaRPr lang="zh-CN" altLang="en-US" dirty="0"/>
           </a:p>
@@ -3678,6 +3855,452 @@
       </p:grpSpPr>
       <p:sp>
         <p:nvSpPr>
+          <p:cNvPr id="2" name="标题 1"/>
+          <p:cNvSpPr>
+            <a:spLocks noGrp="1"/>
+          </p:cNvSpPr>
+          <p:nvPr>
+            <p:ph type="title"/>
+          </p:nvPr>
+        </p:nvSpPr>
+        <p:spPr/>
+        <p:txBody>
+          <a:bodyPr/>
+          <a:lstStyle/>
+          <a:p>
+            <a:r>
+              <a:rPr lang="zh-CN" altLang="en-US" dirty="0"/>
+              <a:t>当前问题</a:t>
+            </a:r>
+            <a:endParaRPr lang="zh-CN" altLang="en-US" dirty="0"/>
+          </a:p>
+        </p:txBody>
+      </p:sp>
+      <p:sp>
+        <p:nvSpPr>
+          <p:cNvPr id="3" name="内容占位符 2"/>
+          <p:cNvSpPr>
+            <a:spLocks noGrp="1"/>
+          </p:cNvSpPr>
+          <p:nvPr>
+            <p:ph idx="1"/>
+          </p:nvPr>
+        </p:nvSpPr>
+        <p:spPr>
+          <a:xfrm>
+            <a:off x="838200" y="1617980"/>
+            <a:ext cx="10515600" cy="4351338"/>
+          </a:xfrm>
+        </p:spPr>
+        <p:txBody>
+          <a:bodyPr/>
+          <a:lstStyle/>
+          <a:p>
+            <a:r>
+              <a:rPr lang="zh-CN" altLang="en-US" dirty="0">
+                <a:sym typeface="+mn-ea"/>
+              </a:rPr>
+              <a:t>对于 coretest（主要通过其测量性能），目前在多核上 fork 部分运行正常，但后续直接卡死，需要进一步调试</a:t>
+            </a:r>
+            <a:endParaRPr lang="zh-CN" altLang="en-US" dirty="0"/>
+          </a:p>
+        </p:txBody>
+      </p:sp>
+      <p:sp>
+        <p:nvSpPr>
+          <p:cNvPr id="4" name="灯片编号占位符 3"/>
+          <p:cNvSpPr>
+            <a:spLocks noGrp="1"/>
+          </p:cNvSpPr>
+          <p:nvPr>
+            <p:ph type="sldNum" sz="quarter" idx="12"/>
+          </p:nvPr>
+        </p:nvSpPr>
+        <p:spPr/>
+        <p:txBody>
+          <a:bodyPr/>
+          <a:lstStyle/>
+          <a:p>
+            <a:fld id="{519AEA81-C1FD-4B2C-87D1-3FA637539CC6}" type="slidenum">
+              <a:rPr lang="zh-CN" altLang="en-US" smtClean="0"/>
+            </a:fld>
+            <a:endParaRPr lang="zh-CN" altLang="en-US" dirty="0"/>
+          </a:p>
+        </p:txBody>
+      </p:sp>
+      <p:pic>
+        <p:nvPicPr>
+          <p:cNvPr id="6" name="图片 5" descr="截屏2022-05-07 00.41.21"/>
+          <p:cNvPicPr>
+            <a:picLocks noChangeAspect="1"/>
+          </p:cNvPicPr>
+          <p:nvPr/>
+        </p:nvPicPr>
+        <p:blipFill>
+          <a:blip r:embed="rId1"/>
+          <a:stretch>
+            <a:fillRect/>
+          </a:stretch>
+        </p:blipFill>
+        <p:spPr>
+          <a:xfrm>
+            <a:off x="2886710" y="2525395"/>
+            <a:ext cx="1996440" cy="4196080"/>
+          </a:xfrm>
+          <a:prstGeom prst="rect">
+            <a:avLst/>
+          </a:prstGeom>
+        </p:spPr>
+      </p:pic>
+      <p:sp>
+        <p:nvSpPr>
+          <p:cNvPr id="7" name="文本框 6"/>
+          <p:cNvSpPr txBox="1"/>
+          <p:nvPr/>
+        </p:nvSpPr>
+        <p:spPr>
+          <a:xfrm>
+            <a:off x="474980" y="3301365"/>
+            <a:ext cx="2243455" cy="1568450"/>
+          </a:xfrm>
+          <a:prstGeom prst="rect">
+            <a:avLst/>
+          </a:prstGeom>
+          <a:noFill/>
+        </p:spPr>
+        <p:txBody>
+          <a:bodyPr wrap="square" rtlCol="0">
+            <a:spAutoFit/>
+          </a:bodyPr>
+          <a:p>
+            <a:pPr algn="l"/>
+            <a:r>
+              <a:rPr lang="zh-CN" altLang="en-US" sz="2400" dirty="0">
+                <a:latin typeface="微软雅黑" panose="020B0503020204020204" pitchFamily="34" charset="-122"/>
+                <a:ea typeface="微软雅黑" panose="020B0503020204020204" pitchFamily="34" charset="-122"/>
+              </a:rPr>
+              <a:t>单核上的正确输出（不完全），可见对调度要求较高</a:t>
+            </a:r>
+            <a:endParaRPr lang="zh-CN" altLang="en-US" sz="2400" dirty="0">
+              <a:latin typeface="微软雅黑" panose="020B0503020204020204" pitchFamily="34" charset="-122"/>
+              <a:ea typeface="微软雅黑" panose="020B0503020204020204" pitchFamily="34" charset="-122"/>
+            </a:endParaRPr>
+          </a:p>
+        </p:txBody>
+      </p:sp>
+      <p:sp>
+        <p:nvSpPr>
+          <p:cNvPr id="9" name="文本框 8"/>
+          <p:cNvSpPr txBox="1"/>
+          <p:nvPr/>
+        </p:nvSpPr>
+        <p:spPr>
+          <a:xfrm>
+            <a:off x="6702425" y="3670935"/>
+            <a:ext cx="2243455" cy="829945"/>
+          </a:xfrm>
+          <a:prstGeom prst="rect">
+            <a:avLst/>
+          </a:prstGeom>
+          <a:noFill/>
+        </p:spPr>
+        <p:txBody>
+          <a:bodyPr wrap="square" rtlCol="0">
+            <a:spAutoFit/>
+          </a:bodyPr>
+          <a:p>
+            <a:pPr algn="l"/>
+            <a:r>
+              <a:rPr lang="zh-CN" altLang="en-US" sz="2400" dirty="0">
+                <a:latin typeface="微软雅黑" panose="020B0503020204020204" pitchFamily="34" charset="-122"/>
+                <a:ea typeface="微软雅黑" panose="020B0503020204020204" pitchFamily="34" charset="-122"/>
+              </a:rPr>
+              <a:t>多核上的异常输出，卡死</a:t>
+            </a:r>
+            <a:endParaRPr lang="zh-CN" altLang="en-US" sz="2400" dirty="0">
+              <a:latin typeface="微软雅黑" panose="020B0503020204020204" pitchFamily="34" charset="-122"/>
+              <a:ea typeface="微软雅黑" panose="020B0503020204020204" pitchFamily="34" charset="-122"/>
+            </a:endParaRPr>
+          </a:p>
+        </p:txBody>
+      </p:sp>
+      <p:pic>
+        <p:nvPicPr>
+          <p:cNvPr id="10" name="图片 9" descr="截屏2022-05-07 00.43.59"/>
+          <p:cNvPicPr>
+            <a:picLocks noChangeAspect="1"/>
+          </p:cNvPicPr>
+          <p:nvPr/>
+        </p:nvPicPr>
+        <p:blipFill>
+          <a:blip r:embed="rId2"/>
+          <a:srcRect r="1027" b="5186"/>
+          <a:stretch>
+            <a:fillRect/>
+          </a:stretch>
+        </p:blipFill>
+        <p:spPr>
+          <a:xfrm>
+            <a:off x="8945880" y="2326640"/>
+            <a:ext cx="1940560" cy="4394835"/>
+          </a:xfrm>
+          <a:prstGeom prst="rect">
+            <a:avLst/>
+          </a:prstGeom>
+        </p:spPr>
+      </p:pic>
+    </p:spTree>
+  </p:cSld>
+  <p:clrMapOvr>
+    <a:masterClrMapping/>
+  </p:clrMapOvr>
+</p:sld>
+</file>
+
+<file path=ppt/slides/slide4.xml><?xml version="1.0" encoding="utf-8"?>
+<p:sld xmlns:a="http://schemas.openxmlformats.org/drawingml/2006/main" xmlns:r="http://schemas.openxmlformats.org/officeDocument/2006/relationships" xmlns:p="http://schemas.openxmlformats.org/presentationml/2006/main">
+  <p:cSld>
+    <p:spTree>
+      <p:nvGrpSpPr>
+        <p:cNvPr id="1" name=""/>
+        <p:cNvGrpSpPr/>
+        <p:nvPr/>
+      </p:nvGrpSpPr>
+      <p:grpSpPr>
+        <a:xfrm>
+          <a:off x="0" y="0"/>
+          <a:ext cx="0" cy="0"/>
+          <a:chOff x="0" y="0"/>
+          <a:chExt cx="0" cy="0"/>
+        </a:xfrm>
+      </p:grpSpPr>
+      <p:sp>
+        <p:nvSpPr>
+          <p:cNvPr id="2" name="标题 1"/>
+          <p:cNvSpPr>
+            <a:spLocks noGrp="1"/>
+          </p:cNvSpPr>
+          <p:nvPr>
+            <p:ph type="title"/>
+          </p:nvPr>
+        </p:nvSpPr>
+        <p:spPr/>
+        <p:txBody>
+          <a:bodyPr/>
+          <a:lstStyle/>
+          <a:p>
+            <a:r>
+              <a:rPr lang="zh-CN" altLang="en-US"/>
+              <a:t>进度汇报</a:t>
+            </a:r>
+            <a:endParaRPr lang="zh-CN" altLang="en-US"/>
+          </a:p>
+        </p:txBody>
+      </p:sp>
+      <p:sp>
+        <p:nvSpPr>
+          <p:cNvPr id="3" name="内容占位符 2"/>
+          <p:cNvSpPr>
+            <a:spLocks noGrp="1"/>
+          </p:cNvSpPr>
+          <p:nvPr>
+            <p:ph idx="1"/>
+          </p:nvPr>
+        </p:nvSpPr>
+        <p:spPr>
+          <a:xfrm>
+            <a:off x="838200" y="1825625"/>
+            <a:ext cx="10717530" cy="4667250"/>
+          </a:xfrm>
+        </p:spPr>
+        <p:txBody>
+          <a:bodyPr/>
+          <a:lstStyle/>
+          <a:p>
+            <a:r>
+              <a:rPr lang="zh-CN" altLang="en-US" dirty="0"/>
+              <a:t>刘松铭</a:t>
+            </a:r>
+            <a:endParaRPr lang="zh-CN" altLang="en-US" dirty="0"/>
+          </a:p>
+          <a:p>
+            <a:pPr lvl="1"/>
+            <a:r>
+              <a:rPr lang="zh-CN" altLang="en-US" dirty="0"/>
+              <a:t>假期主要时间用在制作</a:t>
+            </a:r>
+            <a:r>
+              <a:rPr lang="en-US" altLang="zh-CN" dirty="0"/>
+              <a:t>SD</a:t>
+            </a:r>
+            <a:r>
+              <a:rPr lang="zh-CN" altLang="en-US" dirty="0"/>
+              <a:t>卡，但是目前来看还是存在比较大的困难</a:t>
+            </a:r>
+            <a:endParaRPr lang="en-US" altLang="zh-CN" dirty="0"/>
+          </a:p>
+          <a:p>
+            <a:pPr lvl="1"/>
+            <a:r>
+              <a:rPr lang="zh-CN" altLang="en-US" dirty="0"/>
+              <a:t>首先尝试直接用官网的</a:t>
+            </a:r>
+            <a:r>
+              <a:rPr lang="en-US" altLang="zh-CN" dirty="0"/>
+              <a:t>release</a:t>
+            </a:r>
+            <a:r>
+              <a:rPr lang="zh-CN" altLang="en-US" dirty="0"/>
+              <a:t>做，拷贝进去后发现识别不出</a:t>
+            </a:r>
+            <a:r>
+              <a:rPr lang="en-US" altLang="zh-CN" dirty="0"/>
+              <a:t>SD</a:t>
+            </a:r>
+            <a:r>
+              <a:rPr lang="zh-CN" altLang="en-US" dirty="0"/>
+              <a:t>卡。猜测</a:t>
+            </a:r>
+            <a:r>
+              <a:rPr lang="en-US" altLang="zh-CN" dirty="0"/>
+              <a:t>release</a:t>
+            </a:r>
+            <a:r>
+              <a:rPr lang="zh-CN" altLang="en-US" dirty="0"/>
+              <a:t>里的内容应该不是原</a:t>
+            </a:r>
+            <a:r>
+              <a:rPr lang="en-US" altLang="zh-CN" dirty="0"/>
+              <a:t>SD</a:t>
+            </a:r>
+            <a:r>
+              <a:rPr lang="zh-CN" altLang="en-US" dirty="0"/>
+              <a:t>卡的镜像。</a:t>
+            </a:r>
+            <a:endParaRPr lang="en-US" altLang="zh-CN" dirty="0"/>
+          </a:p>
+          <a:p>
+            <a:pPr lvl="1"/>
+            <a:r>
+              <a:rPr lang="zh-CN" altLang="en-US" dirty="0"/>
+              <a:t>接着尝试按照官网的</a:t>
+            </a:r>
+            <a:r>
+              <a:rPr lang="en-US" altLang="zh-CN" dirty="0"/>
+              <a:t>README</a:t>
+            </a:r>
+            <a:r>
+              <a:rPr lang="zh-CN" altLang="en-US" dirty="0"/>
+              <a:t>做镜像。过程中碰到了一些问题，都一一记录下来。后来也没有成功，一方面制作镜像需要比较大的磁盘和</a:t>
+            </a:r>
+            <a:r>
+              <a:rPr lang="en-US" altLang="zh-CN" dirty="0"/>
+              <a:t>CPU</a:t>
+            </a:r>
+            <a:r>
+              <a:rPr lang="zh-CN" altLang="en-US" dirty="0"/>
+              <a:t>占用，暂时没有找到合适的设备，另一方面也需要比较长的时间。经过和助教讨论我们打算先尝试别的方法。</a:t>
+            </a:r>
+            <a:endParaRPr lang="en-US" altLang="zh-CN" dirty="0"/>
+          </a:p>
+          <a:p>
+            <a:r>
+              <a:rPr lang="zh-CN" altLang="en-US" dirty="0"/>
+              <a:t>解决方案</a:t>
+            </a:r>
+            <a:endParaRPr lang="en-US" altLang="zh-CN" dirty="0"/>
+          </a:p>
+          <a:p>
+            <a:pPr lvl="1"/>
+            <a:r>
+              <a:rPr lang="zh-CN" altLang="en-US" dirty="0"/>
+              <a:t>按照石振兴老师提供的</a:t>
+            </a:r>
+            <a:r>
+              <a:rPr lang="en-US" altLang="zh-CN" dirty="0"/>
+              <a:t>Ubuntu</a:t>
+            </a:r>
+            <a:r>
+              <a:rPr lang="zh-CN" altLang="en-US" dirty="0"/>
+              <a:t>镜像进行尝试，可能需要对其修改。</a:t>
+            </a:r>
+            <a:endParaRPr lang="en-US" altLang="zh-CN" dirty="0"/>
+          </a:p>
+          <a:p>
+            <a:pPr lvl="1"/>
+            <a:r>
+              <a:rPr lang="zh-CN" altLang="en-US" dirty="0"/>
+              <a:t>想办法借一个好的</a:t>
+            </a:r>
+            <a:r>
+              <a:rPr lang="en-US" altLang="zh-CN" dirty="0"/>
+              <a:t>SD</a:t>
+            </a:r>
+            <a:r>
+              <a:rPr lang="zh-CN" altLang="en-US" dirty="0"/>
+              <a:t>卡拷贝其中的数据。</a:t>
+            </a:r>
+            <a:endParaRPr lang="en-US" altLang="zh-CN" dirty="0"/>
+          </a:p>
+          <a:p>
+            <a:pPr lvl="1"/>
+            <a:r>
+              <a:rPr lang="zh-CN" altLang="en-US" dirty="0"/>
+              <a:t>找到合适的设备按照官网的教程走完。</a:t>
+            </a:r>
+            <a:endParaRPr lang="en-US" altLang="zh-CN" dirty="0"/>
+          </a:p>
+        </p:txBody>
+      </p:sp>
+      <p:sp>
+        <p:nvSpPr>
+          <p:cNvPr id="4" name="灯片编号占位符 3"/>
+          <p:cNvSpPr>
+            <a:spLocks noGrp="1"/>
+          </p:cNvSpPr>
+          <p:nvPr>
+            <p:ph type="sldNum" sz="quarter" idx="12"/>
+          </p:nvPr>
+        </p:nvSpPr>
+        <p:spPr/>
+        <p:txBody>
+          <a:bodyPr/>
+          <a:lstStyle/>
+          <a:p>
+            <a:fld id="{519AEA81-C1FD-4B2C-87D1-3FA637539CC6}" type="slidenum">
+              <a:rPr lang="zh-CN" altLang="en-US" smtClean="0"/>
+            </a:fld>
+            <a:endParaRPr lang="zh-CN" altLang="en-US" dirty="0"/>
+          </a:p>
+        </p:txBody>
+      </p:sp>
+    </p:spTree>
+  </p:cSld>
+  <p:clrMapOvr>
+    <a:masterClrMapping/>
+  </p:clrMapOvr>
+</p:sld>
+</file>
+
+<file path=ppt/slides/slide5.xml><?xml version="1.0" encoding="utf-8"?>
+<p:sld xmlns:a="http://schemas.openxmlformats.org/drawingml/2006/main" xmlns:r="http://schemas.openxmlformats.org/officeDocument/2006/relationships" xmlns:p="http://schemas.openxmlformats.org/presentationml/2006/main">
+  <p:cSld>
+    <p:spTree>
+      <p:nvGrpSpPr>
+        <p:cNvPr id="1" name=""/>
+        <p:cNvGrpSpPr/>
+        <p:nvPr/>
+      </p:nvGrpSpPr>
+      <p:grpSpPr>
+        <a:xfrm>
+          <a:off x="0" y="0"/>
+          <a:ext cx="0" cy="0"/>
+          <a:chOff x="0" y="0"/>
+          <a:chExt cx="0" cy="0"/>
+        </a:xfrm>
+      </p:grpSpPr>
+      <p:sp>
+        <p:nvSpPr>
           <p:cNvPr id="7" name="标题 6"/>
           <p:cNvSpPr>
             <a:spLocks noGrp="1"/>
@@ -3718,6 +4341,7 @@
               <a:rPr lang="zh-CN" altLang="en-US"/>
               <a:t>感谢张译仁助教的鼎力支持！</a:t>
             </a:r>
+            <a:endParaRPr lang="zh-CN" altLang="en-US"/>
           </a:p>
         </p:txBody>
       </p:sp>
@@ -3738,7 +4362,6 @@
           <a:p>
             <a:fld id="{519AEA81-C1FD-4B2C-87D1-3FA637539CC6}" type="slidenum">
               <a:rPr lang="zh-CN" altLang="en-US" smtClean="0"/>
-              <a:t>3</a:t>
             </a:fld>
             <a:endParaRPr lang="zh-CN" altLang="en-US" dirty="0"/>
           </a:p>
@@ -4076,7 +4699,6 @@
       </a:lstStyle>
     </a:txDef>
   </a:objectDefaults>
-  <a:extraClrSchemeLst/>
   <a:extLst>
     <a:ext uri="{05A4C25C-085E-4340-85A3-A5531E510DB2}">
       <thm15:themeFamily xmlns:thm15="http://schemas.microsoft.com/office/thememl/2012/main" name="Office Theme" id="{62F939B6-93AF-4DB8-9C6B-D6C7DFDC589F}" vid="{4A3C46E8-61CC-4603-A589-7422A47A8E4A}"/>
@@ -4336,8 +4958,265 @@
       </a:bgFillStyleLst>
     </a:fmtScheme>
   </a:themeElements>
-  <a:objectDefaults/>
-  <a:extraClrSchemeLst/>
+  <a:extLst>
+    <a:ext uri="{05A4C25C-085E-4340-85A3-A5531E510DB2}">
+      <thm15:themeFamily xmlns:thm15="http://schemas.microsoft.com/office/thememl/2012/main" name="Office Theme" id="{62F939B6-93AF-4DB8-9C6B-D6C7DFDC589F}" vid="{4A3C46E8-61CC-4603-A589-7422A47A8E4A}"/>
+    </a:ext>
+  </a:extLst>
+</a:theme>
+</file>
+
+<file path=ppt/theme/theme3.xml><?xml version="1.0" encoding="utf-8"?>
+<a:theme xmlns:a="http://schemas.openxmlformats.org/drawingml/2006/main" name="Office 主题">
+  <a:themeElements>
+    <a:clrScheme name="Office">
+      <a:dk1>
+        <a:sysClr val="windowText" lastClr="000000"/>
+      </a:dk1>
+      <a:lt1>
+        <a:sysClr val="window" lastClr="FFFFFF"/>
+      </a:lt1>
+      <a:dk2>
+        <a:srgbClr val="44546A"/>
+      </a:dk2>
+      <a:lt2>
+        <a:srgbClr val="E7E6E6"/>
+      </a:lt2>
+      <a:accent1>
+        <a:srgbClr val="5B9BD5"/>
+      </a:accent1>
+      <a:accent2>
+        <a:srgbClr val="ED7D31"/>
+      </a:accent2>
+      <a:accent3>
+        <a:srgbClr val="A5A5A5"/>
+      </a:accent3>
+      <a:accent4>
+        <a:srgbClr val="FFC000"/>
+      </a:accent4>
+      <a:accent5>
+        <a:srgbClr val="4472C4"/>
+      </a:accent5>
+      <a:accent6>
+        <a:srgbClr val="70AD47"/>
+      </a:accent6>
+      <a:hlink>
+        <a:srgbClr val="0563C1"/>
+      </a:hlink>
+      <a:folHlink>
+        <a:srgbClr val="954F72"/>
+      </a:folHlink>
+    </a:clrScheme>
+    <a:fontScheme name="Office">
+      <a:majorFont>
+        <a:latin typeface="Calibri Light"/>
+        <a:ea typeface=""/>
+        <a:cs typeface=""/>
+        <a:font script="Jpan" typeface="ＭＳ Ｐゴシック"/>
+        <a:font script="Hang" typeface="맑은 고딕"/>
+        <a:font script="Hans" typeface="宋体"/>
+        <a:font script="Hant" typeface="新細明體"/>
+        <a:font script="Arab" typeface="Times New Roman"/>
+        <a:font script="Hebr" typeface="Times New Roman"/>
+        <a:font script="Thai" typeface="Angsana New"/>
+        <a:font script="Ethi" typeface="Nyala"/>
+        <a:font script="Beng" typeface="Vrinda"/>
+        <a:font script="Gujr" typeface="Shruti"/>
+        <a:font script="Khmr" typeface="MoolBoran"/>
+        <a:font script="Knda" typeface="Tunga"/>
+        <a:font script="Guru" typeface="Raavi"/>
+        <a:font script="Cans" typeface="Euphemia"/>
+        <a:font script="Cher" typeface="Plantagenet Cherokee"/>
+        <a:font script="Yiii" typeface="Microsoft Yi Baiti"/>
+        <a:font script="Tibt" typeface="Microsoft Himalaya"/>
+        <a:font script="Thaa" typeface="MV Boli"/>
+        <a:font script="Deva" typeface="Mangal"/>
+        <a:font script="Telu" typeface="Gautami"/>
+        <a:font script="Taml" typeface="Latha"/>
+        <a:font script="Syrc" typeface="Estrangelo Edessa"/>
+        <a:font script="Orya" typeface="Kalinga"/>
+        <a:font script="Mlym" typeface="Kartika"/>
+        <a:font script="Laoo" typeface="DokChampa"/>
+        <a:font script="Sinh" typeface="Iskoola Pota"/>
+        <a:font script="Mong" typeface="Mongolian Baiti"/>
+        <a:font script="Viet" typeface="Times New Roman"/>
+        <a:font script="Uigh" typeface="Microsoft Uighur"/>
+        <a:font script="Geor" typeface="Sylfaen"/>
+      </a:majorFont>
+      <a:minorFont>
+        <a:latin typeface="Calibri"/>
+        <a:ea typeface=""/>
+        <a:cs typeface=""/>
+        <a:font script="Jpan" typeface="ＭＳ Ｐゴシック"/>
+        <a:font script="Hang" typeface="맑은 고딕"/>
+        <a:font script="Hans" typeface="宋体"/>
+        <a:font script="Hant" typeface="新細明體"/>
+        <a:font script="Arab" typeface="Arial"/>
+        <a:font script="Hebr" typeface="Arial"/>
+        <a:font script="Thai" typeface="Cordia New"/>
+        <a:font script="Ethi" typeface="Nyala"/>
+        <a:font script="Beng" typeface="Vrinda"/>
+        <a:font script="Gujr" typeface="Shruti"/>
+        <a:font script="Khmr" typeface="DaunPenh"/>
+        <a:font script="Knda" typeface="Tunga"/>
+        <a:font script="Guru" typeface="Raavi"/>
+        <a:font script="Cans" typeface="Euphemia"/>
+        <a:font script="Cher" typeface="Plantagenet Cherokee"/>
+        <a:font script="Yiii" typeface="Microsoft Yi Baiti"/>
+        <a:font script="Tibt" typeface="Microsoft Himalaya"/>
+        <a:font script="Thaa" typeface="MV Boli"/>
+        <a:font script="Deva" typeface="Mangal"/>
+        <a:font script="Telu" typeface="Gautami"/>
+        <a:font script="Taml" typeface="Latha"/>
+        <a:font script="Syrc" typeface="Estrangelo Edessa"/>
+        <a:font script="Orya" typeface="Kalinga"/>
+        <a:font script="Mlym" typeface="Kartika"/>
+        <a:font script="Laoo" typeface="DokChampa"/>
+        <a:font script="Sinh" typeface="Iskoola Pota"/>
+        <a:font script="Mong" typeface="Mongolian Baiti"/>
+        <a:font script="Viet" typeface="Arial"/>
+        <a:font script="Uigh" typeface="Microsoft Uighur"/>
+        <a:font script="Geor" typeface="Sylfaen"/>
+      </a:minorFont>
+    </a:fontScheme>
+    <a:fmtScheme name="Office">
+      <a:fillStyleLst>
+        <a:solidFill>
+          <a:schemeClr val="phClr"/>
+        </a:solidFill>
+        <a:gradFill rotWithShape="1">
+          <a:gsLst>
+            <a:gs pos="0">
+              <a:schemeClr val="phClr">
+                <a:lumMod val="110000"/>
+                <a:satMod val="105000"/>
+                <a:tint val="67000"/>
+              </a:schemeClr>
+            </a:gs>
+            <a:gs pos="50000">
+              <a:schemeClr val="phClr">
+                <a:lumMod val="105000"/>
+                <a:satMod val="103000"/>
+                <a:tint val="73000"/>
+              </a:schemeClr>
+            </a:gs>
+            <a:gs pos="100000">
+              <a:schemeClr val="phClr">
+                <a:lumMod val="105000"/>
+                <a:satMod val="109000"/>
+                <a:tint val="81000"/>
+              </a:schemeClr>
+            </a:gs>
+          </a:gsLst>
+          <a:lin ang="5400000" scaled="0"/>
+        </a:gradFill>
+        <a:gradFill rotWithShape="1">
+          <a:gsLst>
+            <a:gs pos="0">
+              <a:schemeClr val="phClr">
+                <a:satMod val="103000"/>
+                <a:lumMod val="102000"/>
+                <a:tint val="94000"/>
+              </a:schemeClr>
+            </a:gs>
+            <a:gs pos="50000">
+              <a:schemeClr val="phClr">
+                <a:satMod val="110000"/>
+                <a:lumMod val="100000"/>
+                <a:shade val="100000"/>
+              </a:schemeClr>
+            </a:gs>
+            <a:gs pos="100000">
+              <a:schemeClr val="phClr">
+                <a:lumMod val="99000"/>
+                <a:satMod val="120000"/>
+                <a:shade val="78000"/>
+              </a:schemeClr>
+            </a:gs>
+          </a:gsLst>
+          <a:lin ang="5400000" scaled="0"/>
+        </a:gradFill>
+      </a:fillStyleLst>
+      <a:lnStyleLst>
+        <a:ln w="6350" cap="flat" cmpd="sng" algn="ctr">
+          <a:solidFill>
+            <a:schemeClr val="phClr"/>
+          </a:solidFill>
+          <a:prstDash val="solid"/>
+          <a:miter lim="800000"/>
+        </a:ln>
+        <a:ln w="12700" cap="flat" cmpd="sng" algn="ctr">
+          <a:solidFill>
+            <a:schemeClr val="phClr"/>
+          </a:solidFill>
+          <a:prstDash val="solid"/>
+          <a:miter lim="800000"/>
+        </a:ln>
+        <a:ln w="19050" cap="flat" cmpd="sng" algn="ctr">
+          <a:solidFill>
+            <a:schemeClr val="phClr"/>
+          </a:solidFill>
+          <a:prstDash val="solid"/>
+          <a:miter lim="800000"/>
+        </a:ln>
+      </a:lnStyleLst>
+      <a:effectStyleLst>
+        <a:effectStyle>
+          <a:effectLst/>
+        </a:effectStyle>
+        <a:effectStyle>
+          <a:effectLst/>
+        </a:effectStyle>
+        <a:effectStyle>
+          <a:effectLst>
+            <a:outerShdw blurRad="57150" dist="19050" dir="5400000" algn="ctr" rotWithShape="0">
+              <a:srgbClr val="000000">
+                <a:alpha val="63000"/>
+              </a:srgbClr>
+            </a:outerShdw>
+          </a:effectLst>
+        </a:effectStyle>
+      </a:effectStyleLst>
+      <a:bgFillStyleLst>
+        <a:solidFill>
+          <a:schemeClr val="phClr"/>
+        </a:solidFill>
+        <a:solidFill>
+          <a:schemeClr val="phClr">
+            <a:tint val="95000"/>
+            <a:satMod val="170000"/>
+          </a:schemeClr>
+        </a:solidFill>
+        <a:gradFill rotWithShape="1">
+          <a:gsLst>
+            <a:gs pos="0">
+              <a:schemeClr val="phClr">
+                <a:tint val="93000"/>
+                <a:satMod val="150000"/>
+                <a:shade val="98000"/>
+                <a:lumMod val="102000"/>
+              </a:schemeClr>
+            </a:gs>
+            <a:gs pos="50000">
+              <a:schemeClr val="phClr">
+                <a:tint val="98000"/>
+                <a:satMod val="130000"/>
+                <a:shade val="90000"/>
+                <a:lumMod val="103000"/>
+              </a:schemeClr>
+            </a:gs>
+            <a:gs pos="100000">
+              <a:schemeClr val="phClr">
+                <a:shade val="63000"/>
+                <a:satMod val="120000"/>
+              </a:schemeClr>
+            </a:gs>
+          </a:gsLst>
+          <a:lin ang="5400000" scaled="0"/>
+        </a:gradFill>
+      </a:bgFillStyleLst>
+    </a:fmtScheme>
+  </a:themeElements>
   <a:extLst>
     <a:ext uri="{05A4C25C-085E-4340-85A3-A5531E510DB2}">
       <thm15:themeFamily xmlns:thm15="http://schemas.microsoft.com/office/thememl/2012/main" name="Office Theme" id="{62F939B6-93AF-4DB8-9C6B-D6C7DFDC589F}" vid="{4A3C46E8-61CC-4603-A589-7422A47A8E4A}"/>
